--- a/Prezentare_isw (1).pptx
+++ b/Prezentare_isw (1).pptx
@@ -214,7 +214,7 @@
           <a:p>
             <a:fld id="{8DDB670C-ADAC-471D-B09D-DDE126141E42}" type="datetimeFigureOut">
               <a:rPr lang="en-US" smtClean="0"/>
-              <a:t>4/16/2024</a:t>
+              <a:t>5/16/2024</a:t>
             </a:fld>
             <a:endParaRPr lang="en-US" dirty="0"/>
           </a:p>
@@ -1632,7 +1632,7 @@
           <a:p>
             <a:fld id="{3EB5C81B-8A6D-4A42-ADF9-E8FF9AAF87A2}" type="datetime1">
               <a:rPr lang="en-US" smtClean="0"/>
-              <a:t>4/16/2024</a:t>
+              <a:t>5/16/2024</a:t>
             </a:fld>
             <a:endParaRPr lang="en-US" dirty="0"/>
           </a:p>
@@ -2114,7 +2114,7 @@
           <a:p>
             <a:fld id="{645158CB-43A1-432F-9E4C-AEF2480DD953}" type="datetime1">
               <a:rPr lang="en-US" smtClean="0"/>
-              <a:t>4/16/2024</a:t>
+              <a:t>5/16/2024</a:t>
             </a:fld>
             <a:endParaRPr lang="en-US" dirty="0"/>
           </a:p>
@@ -2552,7 +2552,7 @@
           <a:p>
             <a:fld id="{44C62109-79A9-4F94-BDE1-6E839DAE6337}" type="datetime1">
               <a:rPr lang="en-US" smtClean="0"/>
-              <a:t>4/16/2024</a:t>
+              <a:t>5/16/2024</a:t>
             </a:fld>
             <a:endParaRPr lang="en-US" dirty="0"/>
           </a:p>
@@ -3168,7 +3168,7 @@
           <a:p>
             <a:fld id="{D71BC1C9-7879-42FE-B37F-1CF8B5D75134}" type="datetime1">
               <a:rPr lang="en-US" smtClean="0"/>
-              <a:t>4/16/2024</a:t>
+              <a:t>5/16/2024</a:t>
             </a:fld>
             <a:endParaRPr lang="en-US" dirty="0"/>
           </a:p>
@@ -3518,7 +3518,7 @@
           <a:p>
             <a:fld id="{0FA3955E-9837-475D-915F-CCBE7B047B79}" type="datetime1">
               <a:rPr lang="en-US" smtClean="0"/>
-              <a:t>4/16/2024</a:t>
+              <a:t>5/16/2024</a:t>
             </a:fld>
             <a:endParaRPr lang="en-US" dirty="0"/>
           </a:p>
@@ -3868,7 +3868,7 @@
           <a:p>
             <a:fld id="{B81F042A-B355-4D72-92FB-22986EDB3FC5}" type="datetime1">
               <a:rPr lang="en-US" smtClean="0"/>
-              <a:t>4/16/2024</a:t>
+              <a:t>5/16/2024</a:t>
             </a:fld>
             <a:endParaRPr lang="en-US" dirty="0"/>
           </a:p>
@@ -4339,7 +4339,7 @@
           <a:p>
             <a:fld id="{B42AC5C8-4F5C-4949-AB9B-B2E0B9A63E43}" type="datetime1">
               <a:rPr lang="en-US" smtClean="0"/>
-              <a:t>4/16/2024</a:t>
+              <a:t>5/16/2024</a:t>
             </a:fld>
             <a:endParaRPr lang="en-US" dirty="0"/>
           </a:p>
@@ -4830,7 +4830,7 @@
           <a:p>
             <a:fld id="{7EBB9BB4-9316-4080-BC2F-D21F0D7D3C9A}" type="datetime1">
               <a:rPr lang="en-US" smtClean="0"/>
-              <a:t>4/16/2024</a:t>
+              <a:t>5/16/2024</a:t>
             </a:fld>
             <a:endParaRPr lang="en-US" dirty="0"/>
           </a:p>
@@ -5311,7 +5311,7 @@
           <a:p>
             <a:fld id="{7E27AC17-9585-4CFA-8655-4BD2906A8582}" type="datetime1">
               <a:rPr lang="en-US" smtClean="0"/>
-              <a:t>4/16/2024</a:t>
+              <a:t>5/16/2024</a:t>
             </a:fld>
             <a:endParaRPr lang="en-US" dirty="0"/>
           </a:p>
@@ -6819,12 +6819,42 @@
           </a:p>
         </p:txBody>
       </p:sp>
+      <p:sp>
+        <p:nvSpPr>
+          <p:cNvPr id="4" name="Slide Number Placeholder 3">
+            <a:extLst>
+              <a:ext uri="{FF2B5EF4-FFF2-40B4-BE49-F238E27FC236}">
+                <a16:creationId xmlns:a16="http://schemas.microsoft.com/office/drawing/2014/main" id="{D0117743-6D30-B3BE-2DBE-4BB301FB5C6A}"/>
+              </a:ext>
+            </a:extLst>
+          </p:cNvPr>
+          <p:cNvSpPr>
+            <a:spLocks noGrp="1"/>
+          </p:cNvSpPr>
+          <p:nvPr>
+            <p:ph type="sldNum" sz="quarter" idx="12"/>
+          </p:nvPr>
+        </p:nvSpPr>
+        <p:spPr/>
+        <p:txBody>
+          <a:bodyPr/>
+          <a:lstStyle/>
+          <a:p>
+            <a:fld id="{7D1A0A03-B4D0-4360-9F31-E8E2DC497043}" type="slidenum">
+              <a:rPr lang="en-US" smtClean="0"/>
+              <a:pPr/>
+              <a:t>5</a:t>
+            </a:fld>
+            <a:endParaRPr lang="en-US" dirty="0"/>
+          </a:p>
+        </p:txBody>
+      </p:sp>
       <p:pic>
         <p:nvPicPr>
-          <p:cNvPr id="7" name="Content Placeholder 6">
-            <a:extLst>
-              <a:ext uri="{FF2B5EF4-FFF2-40B4-BE49-F238E27FC236}">
-                <a16:creationId xmlns:a16="http://schemas.microsoft.com/office/drawing/2014/main" id="{9B799E1C-D64F-C9CC-A3DF-A77D794982BE}"/>
+          <p:cNvPr id="8" name="Content Placeholder 7">
+            <a:extLst>
+              <a:ext uri="{FF2B5EF4-FFF2-40B4-BE49-F238E27FC236}">
+                <a16:creationId xmlns:a16="http://schemas.microsoft.com/office/drawing/2014/main" id="{969B6A16-83EC-A1F1-1216-9776FB3D823A}"/>
               </a:ext>
             </a:extLst>
           </p:cNvPr>
@@ -6849,41 +6879,11 @@
         </p:blipFill>
         <p:spPr>
           <a:xfrm>
-            <a:off x="838200" y="2508207"/>
-            <a:ext cx="10515600" cy="2986174"/>
+            <a:off x="1070610" y="2892584"/>
+            <a:ext cx="10050780" cy="2217420"/>
           </a:xfrm>
         </p:spPr>
       </p:pic>
-      <p:sp>
-        <p:nvSpPr>
-          <p:cNvPr id="4" name="Slide Number Placeholder 3">
-            <a:extLst>
-              <a:ext uri="{FF2B5EF4-FFF2-40B4-BE49-F238E27FC236}">
-                <a16:creationId xmlns:a16="http://schemas.microsoft.com/office/drawing/2014/main" id="{D0117743-6D30-B3BE-2DBE-4BB301FB5C6A}"/>
-              </a:ext>
-            </a:extLst>
-          </p:cNvPr>
-          <p:cNvSpPr>
-            <a:spLocks noGrp="1"/>
-          </p:cNvSpPr>
-          <p:nvPr>
-            <p:ph type="sldNum" sz="quarter" idx="12"/>
-          </p:nvPr>
-        </p:nvSpPr>
-        <p:spPr/>
-        <p:txBody>
-          <a:bodyPr/>
-          <a:lstStyle/>
-          <a:p>
-            <a:fld id="{7D1A0A03-B4D0-4360-9F31-E8E2DC497043}" type="slidenum">
-              <a:rPr lang="en-US" smtClean="0"/>
-              <a:pPr/>
-              <a:t>5</a:t>
-            </a:fld>
-            <a:endParaRPr lang="en-US" dirty="0"/>
-          </a:p>
-        </p:txBody>
-      </p:sp>
     </p:spTree>
     <p:extLst>
       <p:ext uri="{BB962C8B-B14F-4D97-AF65-F5344CB8AC3E}">
@@ -6946,12 +6946,42 @@
           </a:p>
         </p:txBody>
       </p:sp>
+      <p:sp>
+        <p:nvSpPr>
+          <p:cNvPr id="4" name="Slide Number Placeholder 3">
+            <a:extLst>
+              <a:ext uri="{FF2B5EF4-FFF2-40B4-BE49-F238E27FC236}">
+                <a16:creationId xmlns:a16="http://schemas.microsoft.com/office/drawing/2014/main" id="{D0117743-6D30-B3BE-2DBE-4BB301FB5C6A}"/>
+              </a:ext>
+            </a:extLst>
+          </p:cNvPr>
+          <p:cNvSpPr>
+            <a:spLocks noGrp="1"/>
+          </p:cNvSpPr>
+          <p:nvPr>
+            <p:ph type="sldNum" sz="quarter" idx="12"/>
+          </p:nvPr>
+        </p:nvSpPr>
+        <p:spPr/>
+        <p:txBody>
+          <a:bodyPr/>
+          <a:lstStyle/>
+          <a:p>
+            <a:fld id="{7D1A0A03-B4D0-4360-9F31-E8E2DC497043}" type="slidenum">
+              <a:rPr lang="en-US" smtClean="0"/>
+              <a:pPr/>
+              <a:t>6</a:t>
+            </a:fld>
+            <a:endParaRPr lang="en-US" dirty="0"/>
+          </a:p>
+        </p:txBody>
+      </p:sp>
       <p:pic>
         <p:nvPicPr>
-          <p:cNvPr id="6" name="Content Placeholder 5">
-            <a:extLst>
-              <a:ext uri="{FF2B5EF4-FFF2-40B4-BE49-F238E27FC236}">
-                <a16:creationId xmlns:a16="http://schemas.microsoft.com/office/drawing/2014/main" id="{C6E22325-9866-7A30-1309-02D6C015D299}"/>
+          <p:cNvPr id="8" name="Content Placeholder 7">
+            <a:extLst>
+              <a:ext uri="{FF2B5EF4-FFF2-40B4-BE49-F238E27FC236}">
+                <a16:creationId xmlns:a16="http://schemas.microsoft.com/office/drawing/2014/main" id="{D80B36EC-7713-C333-1742-676D6CE96BA9}"/>
               </a:ext>
             </a:extLst>
           </p:cNvPr>
@@ -6976,41 +7006,11 @@
         </p:blipFill>
         <p:spPr>
           <a:xfrm>
-            <a:off x="838200" y="2633616"/>
-            <a:ext cx="10515600" cy="2735355"/>
+            <a:off x="1104900" y="2401094"/>
+            <a:ext cx="9982200" cy="3200400"/>
           </a:xfrm>
         </p:spPr>
       </p:pic>
-      <p:sp>
-        <p:nvSpPr>
-          <p:cNvPr id="4" name="Slide Number Placeholder 3">
-            <a:extLst>
-              <a:ext uri="{FF2B5EF4-FFF2-40B4-BE49-F238E27FC236}">
-                <a16:creationId xmlns:a16="http://schemas.microsoft.com/office/drawing/2014/main" id="{D0117743-6D30-B3BE-2DBE-4BB301FB5C6A}"/>
-              </a:ext>
-            </a:extLst>
-          </p:cNvPr>
-          <p:cNvSpPr>
-            <a:spLocks noGrp="1"/>
-          </p:cNvSpPr>
-          <p:nvPr>
-            <p:ph type="sldNum" sz="quarter" idx="12"/>
-          </p:nvPr>
-        </p:nvSpPr>
-        <p:spPr/>
-        <p:txBody>
-          <a:bodyPr/>
-          <a:lstStyle/>
-          <a:p>
-            <a:fld id="{7D1A0A03-B4D0-4360-9F31-E8E2DC497043}" type="slidenum">
-              <a:rPr lang="en-US" smtClean="0"/>
-              <a:pPr/>
-              <a:t>6</a:t>
-            </a:fld>
-            <a:endParaRPr lang="en-US" dirty="0"/>
-          </a:p>
-        </p:txBody>
-      </p:sp>
     </p:spTree>
     <p:extLst>
       <p:ext uri="{BB962C8B-B14F-4D97-AF65-F5344CB8AC3E}">
@@ -7070,12 +7070,42 @@
           </a:p>
         </p:txBody>
       </p:sp>
+      <p:sp>
+        <p:nvSpPr>
+          <p:cNvPr id="4" name="Slide Number Placeholder 3">
+            <a:extLst>
+              <a:ext uri="{FF2B5EF4-FFF2-40B4-BE49-F238E27FC236}">
+                <a16:creationId xmlns:a16="http://schemas.microsoft.com/office/drawing/2014/main" id="{D4184CD6-49E3-63DF-8B8D-CBA5CE320940}"/>
+              </a:ext>
+            </a:extLst>
+          </p:cNvPr>
+          <p:cNvSpPr>
+            <a:spLocks noGrp="1"/>
+          </p:cNvSpPr>
+          <p:nvPr>
+            <p:ph type="sldNum" sz="quarter" idx="12"/>
+          </p:nvPr>
+        </p:nvSpPr>
+        <p:spPr/>
+        <p:txBody>
+          <a:bodyPr/>
+          <a:lstStyle/>
+          <a:p>
+            <a:fld id="{7D1A0A03-B4D0-4360-9F31-E8E2DC497043}" type="slidenum">
+              <a:rPr lang="en-US" smtClean="0"/>
+              <a:pPr/>
+              <a:t>7</a:t>
+            </a:fld>
+            <a:endParaRPr lang="en-US" dirty="0"/>
+          </a:p>
+        </p:txBody>
+      </p:sp>
       <p:pic>
         <p:nvPicPr>
-          <p:cNvPr id="6" name="Content Placeholder 5">
-            <a:extLst>
-              <a:ext uri="{FF2B5EF4-FFF2-40B4-BE49-F238E27FC236}">
-                <a16:creationId xmlns:a16="http://schemas.microsoft.com/office/drawing/2014/main" id="{C7AA74FD-368D-BC8D-D8C9-ED49B3AA03A1}"/>
+          <p:cNvPr id="8" name="Content Placeholder 7">
+            <a:extLst>
+              <a:ext uri="{FF2B5EF4-FFF2-40B4-BE49-F238E27FC236}">
+                <a16:creationId xmlns:a16="http://schemas.microsoft.com/office/drawing/2014/main" id="{0C90CBE7-48F0-8E35-56B2-775574B8C21D}"/>
               </a:ext>
             </a:extLst>
           </p:cNvPr>
@@ -7100,41 +7130,11 @@
         </p:blipFill>
         <p:spPr>
           <a:xfrm>
-            <a:off x="3845523" y="1825625"/>
-            <a:ext cx="4500954" cy="4351338"/>
+            <a:off x="3767115" y="1825625"/>
+            <a:ext cx="4657770" cy="4351338"/>
           </a:xfrm>
         </p:spPr>
       </p:pic>
-      <p:sp>
-        <p:nvSpPr>
-          <p:cNvPr id="4" name="Slide Number Placeholder 3">
-            <a:extLst>
-              <a:ext uri="{FF2B5EF4-FFF2-40B4-BE49-F238E27FC236}">
-                <a16:creationId xmlns:a16="http://schemas.microsoft.com/office/drawing/2014/main" id="{D4184CD6-49E3-63DF-8B8D-CBA5CE320940}"/>
-              </a:ext>
-            </a:extLst>
-          </p:cNvPr>
-          <p:cNvSpPr>
-            <a:spLocks noGrp="1"/>
-          </p:cNvSpPr>
-          <p:nvPr>
-            <p:ph type="sldNum" sz="quarter" idx="12"/>
-          </p:nvPr>
-        </p:nvSpPr>
-        <p:spPr/>
-        <p:txBody>
-          <a:bodyPr/>
-          <a:lstStyle/>
-          <a:p>
-            <a:fld id="{7D1A0A03-B4D0-4360-9F31-E8E2DC497043}" type="slidenum">
-              <a:rPr lang="en-US" smtClean="0"/>
-              <a:pPr/>
-              <a:t>7</a:t>
-            </a:fld>
-            <a:endParaRPr lang="en-US" dirty="0"/>
-          </a:p>
-        </p:txBody>
-      </p:sp>
     </p:spTree>
     <p:extLst>
       <p:ext uri="{BB962C8B-B14F-4D97-AF65-F5344CB8AC3E}">
@@ -7350,10 +7350,10 @@
       </p:sp>
       <p:pic>
         <p:nvPicPr>
-          <p:cNvPr id="8" name="Content Placeholder 7">
-            <a:extLst>
-              <a:ext uri="{FF2B5EF4-FFF2-40B4-BE49-F238E27FC236}">
-                <a16:creationId xmlns:a16="http://schemas.microsoft.com/office/drawing/2014/main" id="{2172E063-95EA-1AB0-C04D-0A46C3FEA9BD}"/>
+          <p:cNvPr id="7" name="Content Placeholder 6">
+            <a:extLst>
+              <a:ext uri="{FF2B5EF4-FFF2-40B4-BE49-F238E27FC236}">
+                <a16:creationId xmlns:a16="http://schemas.microsoft.com/office/drawing/2014/main" id="{DA6B1332-CB40-4AB3-7C06-0D66D84963B8}"/>
               </a:ext>
             </a:extLst>
           </p:cNvPr>
@@ -7378,8 +7378,8 @@
         </p:blipFill>
         <p:spPr>
           <a:xfrm>
-            <a:off x="4594860" y="1894364"/>
-            <a:ext cx="3002280" cy="4213860"/>
+            <a:off x="3870960" y="1833404"/>
+            <a:ext cx="4450080" cy="4335780"/>
           </a:xfrm>
         </p:spPr>
       </p:pic>
@@ -8027,6 +8027,12 @@
 </file>
 
 <file path=customXml/item1.xml><?xml version="1.0" encoding="utf-8"?>
+<p:properties xmlns:p="http://schemas.microsoft.com/office/2006/metadata/properties" xmlns:xsi="http://www.w3.org/2001/XMLSchema-instance" xmlns:pc="http://schemas.microsoft.com/office/infopath/2007/PartnerControls">
+  <documentManagement/>
+</p:properties>
+</file>
+
+<file path=customXml/item2.xml><?xml version="1.0" encoding="utf-8"?>
 <ct:contentTypeSchema xmlns:ct="http://schemas.microsoft.com/office/2006/metadata/contentType" xmlns:ma="http://schemas.microsoft.com/office/2006/metadata/properties/metaAttributes" ct:_="" ma:_="" ma:contentTypeName="Document" ma:contentTypeID="0x010100B50A28A3FF125A42AC6B20832CC0D52E" ma:contentTypeVersion="4" ma:contentTypeDescription="Create a new document." ma:contentTypeScope="" ma:versionID="f028a811339c717497d4eae26442f99e">
   <xsd:schema xmlns:xsd="http://www.w3.org/2001/XMLSchema" xmlns:xs="http://www.w3.org/2001/XMLSchema" xmlns:p="http://schemas.microsoft.com/office/2006/metadata/properties" xmlns:ns3="0612d601-c1c1-47c5-91f2-b195d7f4ee46" targetNamespace="http://schemas.microsoft.com/office/2006/metadata/properties" ma:root="true" ma:fieldsID="b7519cf1b7a46328d0c8ca31df7cbbac" ns3:_="">
     <xsd:import namespace="0612d601-c1c1-47c5-91f2-b195d7f4ee46"/>
@@ -8172,12 +8178,6 @@
 </ct:contentTypeSchema>
 </file>
 
-<file path=customXml/item2.xml><?xml version="1.0" encoding="utf-8"?>
-<p:properties xmlns:p="http://schemas.microsoft.com/office/2006/metadata/properties" xmlns:xsi="http://www.w3.org/2001/XMLSchema-instance" xmlns:pc="http://schemas.microsoft.com/office/infopath/2007/PartnerControls">
-  <documentManagement/>
-</p:properties>
-</file>
-
 <file path=customXml/item3.xml><?xml version="1.0" encoding="utf-8"?>
 <?mso-contentType ?>
 <FormTemplates xmlns="http://schemas.microsoft.com/sharepoint/v3/contenttype/forms">
@@ -8188,6 +8188,22 @@
 </file>
 
 <file path=customXml/itemProps1.xml><?xml version="1.0" encoding="utf-8"?>
+<ds:datastoreItem xmlns:ds="http://schemas.openxmlformats.org/officeDocument/2006/customXml" ds:itemID="{5FDA8AB7-302D-4DDA-B233-A50E233DC706}">
+  <ds:schemaRefs>
+    <ds:schemaRef ds:uri="http://schemas.microsoft.com/office/2006/documentManagement/types"/>
+    <ds:schemaRef ds:uri="0612d601-c1c1-47c5-91f2-b195d7f4ee46"/>
+    <ds:schemaRef ds:uri="http://purl.org/dc/terms/"/>
+    <ds:schemaRef ds:uri="http://schemas.microsoft.com/office/2006/metadata/properties"/>
+    <ds:schemaRef ds:uri="http://purl.org/dc/elements/1.1/"/>
+    <ds:schemaRef ds:uri="http://www.w3.org/XML/1998/namespace"/>
+    <ds:schemaRef ds:uri="http://schemas.microsoft.com/office/infopath/2007/PartnerControls"/>
+    <ds:schemaRef ds:uri="http://schemas.openxmlformats.org/package/2006/metadata/core-properties"/>
+    <ds:schemaRef ds:uri="http://purl.org/dc/dcmitype/"/>
+  </ds:schemaRefs>
+</ds:datastoreItem>
+</file>
+
+<file path=customXml/itemProps2.xml><?xml version="1.0" encoding="utf-8"?>
 <ds:datastoreItem xmlns:ds="http://schemas.openxmlformats.org/officeDocument/2006/customXml" ds:itemID="{A5654450-0CD5-4968-9723-56E550C30DF6}">
   <ds:schemaRefs>
     <ds:schemaRef ds:uri="http://schemas.microsoft.com/office/2006/metadata/contentType"/>
@@ -8205,22 +8221,6 @@
 </ds:datastoreItem>
 </file>
 
-<file path=customXml/itemProps2.xml><?xml version="1.0" encoding="utf-8"?>
-<ds:datastoreItem xmlns:ds="http://schemas.openxmlformats.org/officeDocument/2006/customXml" ds:itemID="{5FDA8AB7-302D-4DDA-B233-A50E233DC706}">
-  <ds:schemaRefs>
-    <ds:schemaRef ds:uri="http://schemas.microsoft.com/office/2006/documentManagement/types"/>
-    <ds:schemaRef ds:uri="0612d601-c1c1-47c5-91f2-b195d7f4ee46"/>
-    <ds:schemaRef ds:uri="http://purl.org/dc/terms/"/>
-    <ds:schemaRef ds:uri="http://schemas.microsoft.com/office/2006/metadata/properties"/>
-    <ds:schemaRef ds:uri="http://purl.org/dc/elements/1.1/"/>
-    <ds:schemaRef ds:uri="http://www.w3.org/XML/1998/namespace"/>
-    <ds:schemaRef ds:uri="http://schemas.microsoft.com/office/infopath/2007/PartnerControls"/>
-    <ds:schemaRef ds:uri="http://schemas.openxmlformats.org/package/2006/metadata/core-properties"/>
-    <ds:schemaRef ds:uri="http://purl.org/dc/dcmitype/"/>
-  </ds:schemaRefs>
-</ds:datastoreItem>
-</file>
-
 <file path=customXml/itemProps3.xml><?xml version="1.0" encoding="utf-8"?>
 <ds:datastoreItem xmlns:ds="http://schemas.openxmlformats.org/officeDocument/2006/customXml" ds:itemID="{E4F83D3F-E224-406E-8652-9D9F4D3B5360}">
   <ds:schemaRefs>
